--- a/第2章 关系数据库/第2章关系数据库.pptx
+++ b/第2章 关系数据库/第2章关系数据库.pptx
@@ -298,7 +298,7 @@
           <a:p>
             <a:fld id="{D0E96A2A-8FCC-4F01-91C9-965279CAAACB}" type="datetimeFigureOut">
               <a:rPr lang="zh-CN" altLang="en-US" smtClean="0"/>
-              <a:t>2024/9/26</a:t>
+              <a:t>2024/9/27</a:t>
             </a:fld>
             <a:endParaRPr lang="zh-CN" altLang="en-US"/>
           </a:p>
@@ -496,7 +496,7 @@
           <a:p>
             <a:fld id="{D0E96A2A-8FCC-4F01-91C9-965279CAAACB}" type="datetimeFigureOut">
               <a:rPr lang="zh-CN" altLang="en-US" smtClean="0"/>
-              <a:t>2024/9/26</a:t>
+              <a:t>2024/9/27</a:t>
             </a:fld>
             <a:endParaRPr lang="zh-CN" altLang="en-US"/>
           </a:p>
@@ -704,7 +704,7 @@
           <a:p>
             <a:fld id="{D0E96A2A-8FCC-4F01-91C9-965279CAAACB}" type="datetimeFigureOut">
               <a:rPr lang="zh-CN" altLang="en-US" smtClean="0"/>
-              <a:t>2024/9/26</a:t>
+              <a:t>2024/9/27</a:t>
             </a:fld>
             <a:endParaRPr lang="zh-CN" altLang="en-US"/>
           </a:p>
@@ -902,7 +902,7 @@
           <a:p>
             <a:fld id="{D0E96A2A-8FCC-4F01-91C9-965279CAAACB}" type="datetimeFigureOut">
               <a:rPr lang="zh-CN" altLang="en-US" smtClean="0"/>
-              <a:t>2024/9/26</a:t>
+              <a:t>2024/9/27</a:t>
             </a:fld>
             <a:endParaRPr lang="zh-CN" altLang="en-US"/>
           </a:p>
@@ -1177,7 +1177,7 @@
           <a:p>
             <a:fld id="{D0E96A2A-8FCC-4F01-91C9-965279CAAACB}" type="datetimeFigureOut">
               <a:rPr lang="zh-CN" altLang="en-US" smtClean="0"/>
-              <a:t>2024/9/26</a:t>
+              <a:t>2024/9/27</a:t>
             </a:fld>
             <a:endParaRPr lang="zh-CN" altLang="en-US"/>
           </a:p>
@@ -1442,7 +1442,7 @@
           <a:p>
             <a:fld id="{D0E96A2A-8FCC-4F01-91C9-965279CAAACB}" type="datetimeFigureOut">
               <a:rPr lang="zh-CN" altLang="en-US" smtClean="0"/>
-              <a:t>2024/9/26</a:t>
+              <a:t>2024/9/27</a:t>
             </a:fld>
             <a:endParaRPr lang="zh-CN" altLang="en-US"/>
           </a:p>
@@ -1854,7 +1854,7 @@
           <a:p>
             <a:fld id="{D0E96A2A-8FCC-4F01-91C9-965279CAAACB}" type="datetimeFigureOut">
               <a:rPr lang="zh-CN" altLang="en-US" smtClean="0"/>
-              <a:t>2024/9/26</a:t>
+              <a:t>2024/9/27</a:t>
             </a:fld>
             <a:endParaRPr lang="zh-CN" altLang="en-US"/>
           </a:p>
@@ -1995,7 +1995,7 @@
           <a:p>
             <a:fld id="{D0E96A2A-8FCC-4F01-91C9-965279CAAACB}" type="datetimeFigureOut">
               <a:rPr lang="zh-CN" altLang="en-US" smtClean="0"/>
-              <a:t>2024/9/26</a:t>
+              <a:t>2024/9/27</a:t>
             </a:fld>
             <a:endParaRPr lang="zh-CN" altLang="en-US"/>
           </a:p>
@@ -2108,7 +2108,7 @@
           <a:p>
             <a:fld id="{D0E96A2A-8FCC-4F01-91C9-965279CAAACB}" type="datetimeFigureOut">
               <a:rPr lang="zh-CN" altLang="en-US" smtClean="0"/>
-              <a:t>2024/9/26</a:t>
+              <a:t>2024/9/27</a:t>
             </a:fld>
             <a:endParaRPr lang="zh-CN" altLang="en-US"/>
           </a:p>
@@ -2419,7 +2419,7 @@
           <a:p>
             <a:fld id="{D0E96A2A-8FCC-4F01-91C9-965279CAAACB}" type="datetimeFigureOut">
               <a:rPr lang="zh-CN" altLang="en-US" smtClean="0"/>
-              <a:t>2024/9/26</a:t>
+              <a:t>2024/9/27</a:t>
             </a:fld>
             <a:endParaRPr lang="zh-CN" altLang="en-US"/>
           </a:p>
@@ -2707,7 +2707,7 @@
           <a:p>
             <a:fld id="{D0E96A2A-8FCC-4F01-91C9-965279CAAACB}" type="datetimeFigureOut">
               <a:rPr lang="zh-CN" altLang="en-US" smtClean="0"/>
-              <a:t>2024/9/26</a:t>
+              <a:t>2024/9/27</a:t>
             </a:fld>
             <a:endParaRPr lang="zh-CN" altLang="en-US"/>
           </a:p>
@@ -2948,7 +2948,7 @@
           <a:p>
             <a:fld id="{D0E96A2A-8FCC-4F01-91C9-965279CAAACB}" type="datetimeFigureOut">
               <a:rPr lang="zh-CN" altLang="en-US" smtClean="0"/>
-              <a:t>2024/9/26</a:t>
+              <a:t>2024/9/27</a:t>
             </a:fld>
             <a:endParaRPr lang="zh-CN" altLang="en-US"/>
           </a:p>
@@ -3578,7 +3578,7 @@
         </p:nvSpPr>
         <p:spPr>
           <a:xfrm>
-            <a:off x="727093" y="1107737"/>
+            <a:off x="697597" y="895463"/>
             <a:ext cx="3665613" cy="523220"/>
           </a:xfrm>
           <a:prstGeom prst="rect">
@@ -3616,7 +3616,7 @@
         </p:nvSpPr>
         <p:spPr>
           <a:xfrm>
-            <a:off x="1717038" y="1693106"/>
+            <a:off x="1710166" y="1487368"/>
             <a:ext cx="8771668" cy="461665"/>
           </a:xfrm>
           <a:prstGeom prst="rect">
@@ -3635,7 +3635,7 @@
                 <a:latin typeface="微软雅黑" panose="020B0503020204020204" pitchFamily="34" charset="-122"/>
                 <a:ea typeface="微软雅黑" panose="020B0503020204020204" pitchFamily="34" charset="-122"/>
               </a:rPr>
-              <a:t>不同关系中的元组可以存在联系，这种联系是“参照与被参照”</a:t>
+              <a:t>不同关系之间可以存在联系，这种联系是“参照与被参照”</a:t>
             </a:r>
           </a:p>
         </p:txBody>
@@ -3662,8 +3662,8 @@
         </p:blipFill>
         <p:spPr>
           <a:xfrm>
-            <a:off x="2297634" y="2499753"/>
-            <a:ext cx="7610475" cy="3400425"/>
+            <a:off x="2536723" y="2181752"/>
+            <a:ext cx="6103770" cy="2727216"/>
           </a:xfrm>
           <a:prstGeom prst="rect">
             <a:avLst/>
@@ -3684,7 +3684,7 @@
         </p:nvSpPr>
         <p:spPr>
           <a:xfrm>
-            <a:off x="1717037" y="6174601"/>
+            <a:off x="1215592" y="5141687"/>
             <a:ext cx="9542633" cy="461665"/>
           </a:xfrm>
           <a:prstGeom prst="rect">
@@ -3779,6 +3779,44 @@
               <a:latin typeface="微软雅黑" panose="020B0503020204020204" pitchFamily="34" charset="-122"/>
               <a:ea typeface="微软雅黑" panose="020B0503020204020204" pitchFamily="34" charset="-122"/>
             </a:endParaRPr>
+          </a:p>
+        </p:txBody>
+      </p:sp>
+      <p:sp>
+        <p:nvSpPr>
+          <p:cNvPr id="2" name="文本框 1">
+            <a:extLst>
+              <a:ext uri="{FF2B5EF4-FFF2-40B4-BE49-F238E27FC236}">
+                <a16:creationId xmlns:a16="http://schemas.microsoft.com/office/drawing/2014/main" id="{BE2260E0-B7FC-7A51-01E1-C46B8C198167}"/>
+              </a:ext>
+            </a:extLst>
+          </p:cNvPr>
+          <p:cNvSpPr txBox="1"/>
+          <p:nvPr/>
+        </p:nvSpPr>
+        <p:spPr>
+          <a:xfrm>
+            <a:off x="1215592" y="5731704"/>
+            <a:ext cx="9542633" cy="461665"/>
+          </a:xfrm>
+          <a:prstGeom prst="rect">
+            <a:avLst/>
+          </a:prstGeom>
+          <a:noFill/>
+        </p:spPr>
+        <p:txBody>
+          <a:bodyPr wrap="square" rtlCol="0">
+            <a:spAutoFit/>
+          </a:bodyPr>
+          <a:lstStyle/>
+          <a:p>
+            <a:r>
+              <a:rPr lang="zh-CN" altLang="en-US" sz="2400" dirty="0">
+                <a:latin typeface="微软雅黑" panose="020B0503020204020204" pitchFamily="34" charset="-122"/>
+                <a:ea typeface="微软雅黑" panose="020B0503020204020204" pitchFamily="34" charset="-122"/>
+              </a:rPr>
+              <a:t>外键不一定是 被参照关系 的主键，只要是唯一键就可以</a:t>
+            </a:r>
           </a:p>
         </p:txBody>
       </p:sp>
@@ -3902,7 +3940,7 @@
         </p:nvSpPr>
         <p:spPr>
           <a:xfrm>
-            <a:off x="1717038" y="1693106"/>
+            <a:off x="1717038" y="1712770"/>
             <a:ext cx="8771668" cy="830997"/>
           </a:xfrm>
           <a:prstGeom prst="rect">
@@ -4481,7 +4519,7 @@
         <p:spPr>
           <a:xfrm>
             <a:off x="280729" y="221734"/>
-            <a:ext cx="4339650" cy="646331"/>
+            <a:ext cx="3416320" cy="646331"/>
           </a:xfrm>
           <a:prstGeom prst="rect">
             <a:avLst/>
@@ -4499,7 +4537,7 @@
                 <a:latin typeface="微软雅黑" panose="020B0503020204020204" pitchFamily="34" charset="-122"/>
                 <a:ea typeface="微软雅黑" panose="020B0503020204020204" pitchFamily="34" charset="-122"/>
               </a:rPr>
-              <a:t>用户定义完整性约束</a:t>
+              <a:t>实体完整性约束</a:t>
             </a:r>
           </a:p>
         </p:txBody>
@@ -4766,7 +4804,7 @@
         </p:nvSpPr>
         <p:spPr>
           <a:xfrm>
-            <a:off x="7029225" y="4857176"/>
+            <a:off x="7029225" y="4894686"/>
             <a:ext cx="4937360" cy="369332"/>
           </a:xfrm>
           <a:prstGeom prst="rect">
@@ -5634,7 +5672,7 @@
                 <a:latin typeface="微软雅黑" panose="020B0503020204020204" pitchFamily="34" charset="-122"/>
                 <a:ea typeface="微软雅黑" panose="020B0503020204020204" pitchFamily="34" charset="-122"/>
               </a:rPr>
-              <a:t>关系表达式（重点）</a:t>
+              <a:t>关系代数表达式（重点）</a:t>
             </a:r>
           </a:p>
         </p:txBody>
@@ -5847,7 +5885,7 @@
         <p:spPr>
           <a:xfrm>
             <a:off x="280729" y="221734"/>
-            <a:ext cx="4339650" cy="646331"/>
+            <a:ext cx="5262979" cy="646331"/>
           </a:xfrm>
           <a:prstGeom prst="rect">
             <a:avLst/>
@@ -5865,7 +5903,7 @@
                 <a:latin typeface="微软雅黑" panose="020B0503020204020204" pitchFamily="34" charset="-122"/>
                 <a:ea typeface="微软雅黑" panose="020B0503020204020204" pitchFamily="34" charset="-122"/>
               </a:rPr>
-              <a:t>关系表达式（重点）</a:t>
+              <a:t>关系代数表达式（重点）</a:t>
             </a:r>
           </a:p>
         </p:txBody>
@@ -6882,7 +6920,7 @@
                 <a:latin typeface="微软雅黑" panose="020B0503020204020204" pitchFamily="34" charset="-122"/>
                 <a:ea typeface="微软雅黑" panose="020B0503020204020204" pitchFamily="34" charset="-122"/>
               </a:rPr>
-              <a:t>的并集</a:t>
+              <a:t>的并集（做的是元组的并，不是属性的并）</a:t>
             </a:r>
           </a:p>
         </p:txBody>
@@ -9576,7 +9614,15 @@
             </a:r>
             <a:r>
               <a:rPr lang="zh-CN" altLang="en-US" sz="1800" dirty="0"/>
-              <a:t>投影学生的学号和姓名</a:t>
+              <a:t>投影</a:t>
+            </a:r>
+            <a:r>
+              <a:rPr lang="en-US" altLang="zh-CN" sz="1800" dirty="0"/>
+              <a:t>S2</a:t>
+            </a:r>
+            <a:r>
+              <a:rPr lang="zh-CN" altLang="en-US" sz="1800" dirty="0"/>
+              <a:t>中学生的学号和姓名</a:t>
             </a:r>
           </a:p>
         </p:txBody>
@@ -9663,8 +9709,8 @@
         </p:nvSpPr>
         <p:spPr>
           <a:xfrm>
-            <a:off x="803292" y="1146925"/>
-            <a:ext cx="8279748" cy="523220"/>
+            <a:off x="803291" y="1146925"/>
+            <a:ext cx="10108547" cy="523220"/>
           </a:xfrm>
           <a:prstGeom prst="rect">
             <a:avLst/>
@@ -9683,6 +9729,20 @@
                 <a:ea typeface="微软雅黑" panose="020B0503020204020204" pitchFamily="34" charset="-122"/>
               </a:rPr>
               <a:t>只用基本关系代数操作来编写复杂查询非常繁琐</a:t>
+            </a:r>
+            <a:r>
+              <a:rPr lang="en-US" altLang="zh-CN" sz="2800" dirty="0">
+                <a:latin typeface="微软雅黑" panose="020B0503020204020204" pitchFamily="34" charset="-122"/>
+                <a:ea typeface="微软雅黑" panose="020B0503020204020204" pitchFamily="34" charset="-122"/>
+              </a:rPr>
+              <a:t>-&gt;</a:t>
+            </a:r>
+            <a:r>
+              <a:rPr lang="zh-CN" altLang="en-US" sz="2800" dirty="0">
+                <a:latin typeface="微软雅黑" panose="020B0503020204020204" pitchFamily="34" charset="-122"/>
+                <a:ea typeface="微软雅黑" panose="020B0503020204020204" pitchFamily="34" charset="-122"/>
+              </a:rPr>
+              <a:t>打包</a:t>
             </a:r>
           </a:p>
         </p:txBody>
@@ -10606,7 +10666,7 @@
                 <a:latin typeface="微软雅黑" panose="020B0503020204020204" pitchFamily="34" charset="-122"/>
                 <a:ea typeface="微软雅黑" panose="020B0503020204020204" pitchFamily="34" charset="-122"/>
               </a:rPr>
-              <a:t>$\theta$</a:t>
+              <a:t>  </a:t>
             </a:r>
             <a:r>
               <a:rPr lang="zh-CN" altLang="en-US" sz="2400" dirty="0">
@@ -10878,6 +10938,75 @@
           </a:prstGeom>
         </p:spPr>
       </p:pic>
+      <p:graphicFrame>
+        <p:nvGraphicFramePr>
+          <p:cNvPr id="2" name="对象 1">
+            <a:extLst>
+              <a:ext uri="{FF2B5EF4-FFF2-40B4-BE49-F238E27FC236}">
+                <a16:creationId xmlns:a16="http://schemas.microsoft.com/office/drawing/2014/main" id="{8BD83DA7-8D92-49B2-A816-FDE3418170D1}"/>
+              </a:ext>
+            </a:extLst>
+          </p:cNvPr>
+          <p:cNvGraphicFramePr>
+            <a:graphicFrameLocks noChangeAspect="1"/>
+          </p:cNvGraphicFramePr>
+          <p:nvPr>
+            <p:extLst>
+              <p:ext uri="{D42A27DB-BD31-4B8C-83A1-F6EECF244321}">
+                <p14:modId xmlns:p14="http://schemas.microsoft.com/office/powerpoint/2010/main" val="2138108418"/>
+              </p:ext>
+            </p:extLst>
+          </p:nvPr>
+        </p:nvGraphicFramePr>
+        <p:xfrm>
+          <a:off x="4943166" y="1841044"/>
+          <a:ext cx="290503" cy="585930"/>
+        </p:xfrm>
+        <a:graphic>
+          <a:graphicData uri="http://schemas.openxmlformats.org/presentationml/2006/ole">
+            <mc:AlternateContent xmlns:mc="http://schemas.openxmlformats.org/markup-compatibility/2006">
+              <mc:Choice xmlns:v="urn:schemas-microsoft-com:vml" Requires="v">
+                <p:oleObj name="AxMath" r:id="rId2" imgW="93240" imgH="189000" progId="Equation.AxMath">
+                  <p:embed/>
+                </p:oleObj>
+              </mc:Choice>
+              <mc:Fallback>
+                <p:oleObj name="AxMath" r:id="rId2" imgW="93240" imgH="189000" progId="Equation.AxMath">
+                  <p:embed/>
+                  <p:pic>
+                    <p:nvPicPr>
+                      <p:cNvPr id="8" name="对象 7">
+                        <a:extLst>
+                          <a:ext uri="{FF2B5EF4-FFF2-40B4-BE49-F238E27FC236}">
+                            <a16:creationId xmlns:a16="http://schemas.microsoft.com/office/drawing/2014/main" id="{DFCAED84-E0FC-A09F-CEF8-4712A2DEAD1D}"/>
+                          </a:ext>
+                        </a:extLst>
+                      </p:cNvPr>
+                      <p:cNvPicPr/>
+                      <p:nvPr/>
+                    </p:nvPicPr>
+                    <p:blipFill>
+                      <a:blip r:embed="rId3"/>
+                      <a:stretch>
+                        <a:fillRect/>
+                      </a:stretch>
+                    </p:blipFill>
+                    <p:spPr>
+                      <a:xfrm>
+                        <a:off x="4943166" y="1841044"/>
+                        <a:ext cx="290503" cy="585930"/>
+                      </a:xfrm>
+                      <a:prstGeom prst="rect">
+                        <a:avLst/>
+                      </a:prstGeom>
+                    </p:spPr>
+                  </p:pic>
+                </p:oleObj>
+              </mc:Fallback>
+            </mc:AlternateContent>
+          </a:graphicData>
+        </a:graphic>
+      </p:graphicFrame>
     </p:spTree>
     <p:extLst>
       <p:ext uri="{BB962C8B-B14F-4D97-AF65-F5344CB8AC3E}">
@@ -10999,7 +11128,7 @@
         <p:spPr>
           <a:xfrm>
             <a:off x="1169052" y="1544589"/>
-            <a:ext cx="8771668" cy="830997"/>
+            <a:ext cx="9135154" cy="461665"/>
           </a:xfrm>
           <a:prstGeom prst="rect">
             <a:avLst/>
@@ -11017,77 +11146,7 @@
                 <a:latin typeface="微软雅黑" panose="020B0503020204020204" pitchFamily="34" charset="-122"/>
                 <a:ea typeface="微软雅黑" panose="020B0503020204020204" pitchFamily="34" charset="-122"/>
               </a:rPr>
-              <a:t>将关系</a:t>
-            </a:r>
-            <a:r>
-              <a:rPr lang="en-US" altLang="zh-CN" sz="2400" dirty="0">
-                <a:latin typeface="微软雅黑" panose="020B0503020204020204" pitchFamily="34" charset="-122"/>
-                <a:ea typeface="微软雅黑" panose="020B0503020204020204" pitchFamily="34" charset="-122"/>
-              </a:rPr>
-              <a:t>R</a:t>
-            </a:r>
-            <a:r>
-              <a:rPr lang="zh-CN" altLang="en-US" sz="2400" dirty="0">
-                <a:latin typeface="微软雅黑" panose="020B0503020204020204" pitchFamily="34" charset="-122"/>
-                <a:ea typeface="微软雅黑" panose="020B0503020204020204" pitchFamily="34" charset="-122"/>
-              </a:rPr>
-              <a:t>和</a:t>
-            </a:r>
-            <a:r>
-              <a:rPr lang="en-US" altLang="zh-CN" sz="2400" dirty="0">
-                <a:latin typeface="微软雅黑" panose="020B0503020204020204" pitchFamily="34" charset="-122"/>
-                <a:ea typeface="微软雅黑" panose="020B0503020204020204" pitchFamily="34" charset="-122"/>
-              </a:rPr>
-              <a:t>S</a:t>
-            </a:r>
-            <a:r>
-              <a:rPr lang="zh-CN" altLang="en-US" sz="2400" dirty="0">
-                <a:latin typeface="微软雅黑" panose="020B0503020204020204" pitchFamily="34" charset="-122"/>
-                <a:ea typeface="微软雅黑" panose="020B0503020204020204" pitchFamily="34" charset="-122"/>
-              </a:rPr>
-              <a:t>中满足连接条件</a:t>
-            </a:r>
-            <a:r>
-              <a:rPr lang="en-US" altLang="zh-CN" sz="2400" dirty="0">
-                <a:latin typeface="微软雅黑" panose="020B0503020204020204" pitchFamily="34" charset="-122"/>
-                <a:ea typeface="微软雅黑" panose="020B0503020204020204" pitchFamily="34" charset="-122"/>
-              </a:rPr>
-              <a:t>  </a:t>
-            </a:r>
-            <a:r>
-              <a:rPr lang="zh-CN" altLang="en-US" sz="2400" dirty="0">
-                <a:latin typeface="微软雅黑" panose="020B0503020204020204" pitchFamily="34" charset="-122"/>
-                <a:ea typeface="微软雅黑" panose="020B0503020204020204" pitchFamily="34" charset="-122"/>
-              </a:rPr>
-              <a:t>的元组进行连接，连接结果中包含</a:t>
-            </a:r>
-            <a:r>
-              <a:rPr lang="en-US" altLang="zh-CN" sz="2400" dirty="0">
-                <a:latin typeface="微软雅黑" panose="020B0503020204020204" pitchFamily="34" charset="-122"/>
-                <a:ea typeface="微软雅黑" panose="020B0503020204020204" pitchFamily="34" charset="-122"/>
-              </a:rPr>
-              <a:t>R</a:t>
-            </a:r>
-            <a:r>
-              <a:rPr lang="zh-CN" altLang="en-US" sz="2400" dirty="0">
-                <a:latin typeface="微软雅黑" panose="020B0503020204020204" pitchFamily="34" charset="-122"/>
-                <a:ea typeface="微软雅黑" panose="020B0503020204020204" pitchFamily="34" charset="-122"/>
-              </a:rPr>
-              <a:t>和</a:t>
-            </a:r>
-            <a:r>
-              <a:rPr lang="en-US" altLang="zh-CN" sz="2400" dirty="0">
-                <a:latin typeface="微软雅黑" panose="020B0503020204020204" pitchFamily="34" charset="-122"/>
-                <a:ea typeface="微软雅黑" panose="020B0503020204020204" pitchFamily="34" charset="-122"/>
-              </a:rPr>
-              <a:t>S</a:t>
-            </a:r>
-            <a:r>
-              <a:rPr lang="zh-CN" altLang="en-US" sz="2400" dirty="0">
-                <a:latin typeface="微软雅黑" panose="020B0503020204020204" pitchFamily="34" charset="-122"/>
-                <a:ea typeface="微软雅黑" panose="020B0503020204020204" pitchFamily="34" charset="-122"/>
-              </a:rPr>
-              <a:t>中的全部属性</a:t>
+              <a:t>在   连接中，条件  都是等值比较，则这样的   连接就是等值连接</a:t>
             </a:r>
           </a:p>
         </p:txBody>
@@ -11107,13 +11166,13 @@
           <p:nvPr>
             <p:extLst>
               <p:ext uri="{D42A27DB-BD31-4B8C-83A1-F6EECF244321}">
-                <p14:modId xmlns:p14="http://schemas.microsoft.com/office/powerpoint/2010/main" val="1529990816"/>
+                <p14:modId xmlns:p14="http://schemas.microsoft.com/office/powerpoint/2010/main" val="25146220"/>
               </p:ext>
             </p:extLst>
           </p:nvPr>
         </p:nvGraphicFramePr>
         <p:xfrm>
-          <a:off x="2429441" y="1027197"/>
+          <a:off x="1580534" y="1552799"/>
           <a:ext cx="269532" cy="543632"/>
         </p:xfrm>
         <a:graphic>
@@ -11147,7 +11206,7 @@
                     </p:blipFill>
                     <p:spPr>
                       <a:xfrm>
-                        <a:off x="2429441" y="1027197"/>
+                        <a:off x="1580534" y="1552799"/>
                         <a:ext cx="269532" cy="543632"/>
                       </a:xfrm>
                       <a:prstGeom prst="rect">
@@ -11546,6 +11605,144 @@
           </a:prstGeom>
         </p:spPr>
       </p:pic>
+      <p:graphicFrame>
+        <p:nvGraphicFramePr>
+          <p:cNvPr id="2" name="对象 1">
+            <a:extLst>
+              <a:ext uri="{FF2B5EF4-FFF2-40B4-BE49-F238E27FC236}">
+                <a16:creationId xmlns:a16="http://schemas.microsoft.com/office/drawing/2014/main" id="{7FFC38ED-B1CC-4847-026E-7F82007DD7F3}"/>
+              </a:ext>
+            </a:extLst>
+          </p:cNvPr>
+          <p:cNvGraphicFramePr>
+            <a:graphicFrameLocks noChangeAspect="1"/>
+          </p:cNvGraphicFramePr>
+          <p:nvPr>
+            <p:extLst>
+              <p:ext uri="{D42A27DB-BD31-4B8C-83A1-F6EECF244321}">
+                <p14:modId xmlns:p14="http://schemas.microsoft.com/office/powerpoint/2010/main" val="2872389876"/>
+              </p:ext>
+            </p:extLst>
+          </p:nvPr>
+        </p:nvGraphicFramePr>
+        <p:xfrm>
+          <a:off x="3620728" y="1549601"/>
+          <a:ext cx="269532" cy="543632"/>
+        </p:xfrm>
+        <a:graphic>
+          <a:graphicData uri="http://schemas.openxmlformats.org/presentationml/2006/ole">
+            <mc:AlternateContent xmlns:mc="http://schemas.openxmlformats.org/markup-compatibility/2006">
+              <mc:Choice xmlns:v="urn:schemas-microsoft-com:vml" Requires="v">
+                <p:oleObj name="AxMath" r:id="rId2" imgW="93240" imgH="189000" progId="Equation.AxMath">
+                  <p:embed/>
+                </p:oleObj>
+              </mc:Choice>
+              <mc:Fallback>
+                <p:oleObj name="AxMath" r:id="rId2" imgW="93240" imgH="189000" progId="Equation.AxMath">
+                  <p:embed/>
+                  <p:pic>
+                    <p:nvPicPr>
+                      <p:cNvPr id="8" name="对象 7">
+                        <a:extLst>
+                          <a:ext uri="{FF2B5EF4-FFF2-40B4-BE49-F238E27FC236}">
+                            <a16:creationId xmlns:a16="http://schemas.microsoft.com/office/drawing/2014/main" id="{2F29E516-EAFB-9DB4-FB14-5D0EF670ECEF}"/>
+                          </a:ext>
+                        </a:extLst>
+                      </p:cNvPr>
+                      <p:cNvPicPr/>
+                      <p:nvPr/>
+                    </p:nvPicPr>
+                    <p:blipFill>
+                      <a:blip r:embed="rId3"/>
+                      <a:stretch>
+                        <a:fillRect/>
+                      </a:stretch>
+                    </p:blipFill>
+                    <p:spPr>
+                      <a:xfrm>
+                        <a:off x="3620728" y="1549601"/>
+                        <a:ext cx="269532" cy="543632"/>
+                      </a:xfrm>
+                      <a:prstGeom prst="rect">
+                        <a:avLst/>
+                      </a:prstGeom>
+                    </p:spPr>
+                  </p:pic>
+                </p:oleObj>
+              </mc:Fallback>
+            </mc:AlternateContent>
+          </a:graphicData>
+        </a:graphic>
+      </p:graphicFrame>
+      <p:graphicFrame>
+        <p:nvGraphicFramePr>
+          <p:cNvPr id="3" name="对象 2">
+            <a:extLst>
+              <a:ext uri="{FF2B5EF4-FFF2-40B4-BE49-F238E27FC236}">
+                <a16:creationId xmlns:a16="http://schemas.microsoft.com/office/drawing/2014/main" id="{224F1FC2-3DB6-EC7B-D87A-2AC219413DE0}"/>
+              </a:ext>
+            </a:extLst>
+          </p:cNvPr>
+          <p:cNvGraphicFramePr>
+            <a:graphicFrameLocks noChangeAspect="1"/>
+          </p:cNvGraphicFramePr>
+          <p:nvPr>
+            <p:extLst>
+              <p:ext uri="{D42A27DB-BD31-4B8C-83A1-F6EECF244321}">
+                <p14:modId xmlns:p14="http://schemas.microsoft.com/office/powerpoint/2010/main" val="1434491948"/>
+              </p:ext>
+            </p:extLst>
+          </p:nvPr>
+        </p:nvGraphicFramePr>
+        <p:xfrm>
+          <a:off x="7217492" y="1552799"/>
+          <a:ext cx="269532" cy="543632"/>
+        </p:xfrm>
+        <a:graphic>
+          <a:graphicData uri="http://schemas.openxmlformats.org/presentationml/2006/ole">
+            <mc:AlternateContent xmlns:mc="http://schemas.openxmlformats.org/markup-compatibility/2006">
+              <mc:Choice xmlns:v="urn:schemas-microsoft-com:vml" Requires="v">
+                <p:oleObj name="AxMath" r:id="rId2" imgW="93240" imgH="189000" progId="Equation.AxMath">
+                  <p:embed/>
+                </p:oleObj>
+              </mc:Choice>
+              <mc:Fallback>
+                <p:oleObj name="AxMath" r:id="rId2" imgW="93240" imgH="189000" progId="Equation.AxMath">
+                  <p:embed/>
+                  <p:pic>
+                    <p:nvPicPr>
+                      <p:cNvPr id="8" name="对象 7">
+                        <a:extLst>
+                          <a:ext uri="{FF2B5EF4-FFF2-40B4-BE49-F238E27FC236}">
+                            <a16:creationId xmlns:a16="http://schemas.microsoft.com/office/drawing/2014/main" id="{2F29E516-EAFB-9DB4-FB14-5D0EF670ECEF}"/>
+                          </a:ext>
+                        </a:extLst>
+                      </p:cNvPr>
+                      <p:cNvPicPr/>
+                      <p:nvPr/>
+                    </p:nvPicPr>
+                    <p:blipFill>
+                      <a:blip r:embed="rId3"/>
+                      <a:stretch>
+                        <a:fillRect/>
+                      </a:stretch>
+                    </p:blipFill>
+                    <p:spPr>
+                      <a:xfrm>
+                        <a:off x="7217492" y="1552799"/>
+                        <a:ext cx="269532" cy="543632"/>
+                      </a:xfrm>
+                      <a:prstGeom prst="rect">
+                        <a:avLst/>
+                      </a:prstGeom>
+                    </p:spPr>
+                  </p:pic>
+                </p:oleObj>
+              </mc:Fallback>
+            </mc:AlternateContent>
+          </a:graphicData>
+        </a:graphic>
+      </p:graphicFrame>
     </p:spTree>
     <p:extLst>
       <p:ext uri="{BB962C8B-B14F-4D97-AF65-F5344CB8AC3E}">
@@ -12592,13 +12789,13 @@
           <p:nvPr>
             <p:extLst>
               <p:ext uri="{D42A27DB-BD31-4B8C-83A1-F6EECF244321}">
-                <p14:modId xmlns:p14="http://schemas.microsoft.com/office/powerpoint/2010/main" val="526709062"/>
+                <p14:modId xmlns:p14="http://schemas.microsoft.com/office/powerpoint/2010/main" val="2924050350"/>
               </p:ext>
             </p:extLst>
           </p:nvPr>
         </p:nvGraphicFramePr>
         <p:xfrm>
-          <a:off x="4626130" y="2846547"/>
+          <a:off x="4641370" y="2914090"/>
           <a:ext cx="301796" cy="608707"/>
         </p:xfrm>
         <a:graphic>
@@ -12632,7 +12829,7 @@
                     </p:blipFill>
                     <p:spPr>
                       <a:xfrm>
-                        <a:off x="4626130" y="2846547"/>
+                        <a:off x="4641370" y="2914090"/>
                         <a:ext cx="301796" cy="608707"/>
                       </a:xfrm>
                       <a:prstGeom prst="rect">
@@ -13919,8 +14116,8 @@
         </p:nvSpPr>
         <p:spPr>
           <a:xfrm>
-            <a:off x="1169052" y="3898315"/>
-            <a:ext cx="6096000" cy="1200329"/>
+            <a:off x="1169052" y="4014699"/>
+            <a:ext cx="8771667" cy="830997"/>
           </a:xfrm>
           <a:prstGeom prst="rect">
             <a:avLst/>
@@ -14262,7 +14459,7 @@
         </p:nvSpPr>
         <p:spPr>
           <a:xfrm>
-            <a:off x="1092852" y="5492566"/>
+            <a:off x="1092852" y="5502398"/>
             <a:ext cx="8771668" cy="461665"/>
           </a:xfrm>
           <a:prstGeom prst="rect">
@@ -14288,7 +14485,7 @@
           <a:p>
             <a:r>
               <a:rPr lang="zh-CN" altLang="en-US" dirty="0"/>
-              <a:t>注意：聚集函数只能对非空值，count(*)除外</a:t>
+              <a:t>注意：聚集函数只能对非空值操作，count(*)除外</a:t>
             </a:r>
           </a:p>
         </p:txBody>
@@ -17362,7 +17559,21 @@
                 <a:latin typeface="微软雅黑" panose="020B0503020204020204" pitchFamily="34" charset="-122"/>
                 <a:ea typeface="微软雅黑" panose="020B0503020204020204" pitchFamily="34" charset="-122"/>
               </a:rPr>
-              <a:t>关系的某些属性集合具有区分不同元组的作用，称为键</a:t>
+              <a:t>关系的某些属性集合具有</a:t>
+            </a:r>
+            <a:r>
+              <a:rPr lang="zh-CN" altLang="en-US" sz="2400" b="1" dirty="0">
+                <a:latin typeface="微软雅黑" panose="020B0503020204020204" pitchFamily="34" charset="-122"/>
+                <a:ea typeface="微软雅黑" panose="020B0503020204020204" pitchFamily="34" charset="-122"/>
+              </a:rPr>
+              <a:t>区分不同元组</a:t>
+            </a:r>
+            <a:r>
+              <a:rPr lang="zh-CN" altLang="en-US" sz="2400" dirty="0">
+                <a:latin typeface="微软雅黑" panose="020B0503020204020204" pitchFamily="34" charset="-122"/>
+                <a:ea typeface="微软雅黑" panose="020B0503020204020204" pitchFamily="34" charset="-122"/>
+              </a:rPr>
+              <a:t>的作用，称为键</a:t>
             </a:r>
           </a:p>
         </p:txBody>

--- a/第2章 关系数据库/第2章关系数据库.pptx
+++ b/第2章 关系数据库/第2章关系数据库.pptx
@@ -3796,8 +3796,8 @@
         </p:nvSpPr>
         <p:spPr>
           <a:xfrm>
-            <a:off x="1215592" y="5731704"/>
-            <a:ext cx="9542633" cy="461665"/>
+            <a:off x="615824" y="5672037"/>
+            <a:ext cx="11507350" cy="830997"/>
           </a:xfrm>
           <a:prstGeom prst="rect">
             <a:avLst/>
@@ -3815,7 +3815,20 @@
                 <a:latin typeface="微软雅黑" panose="020B0503020204020204" pitchFamily="34" charset="-122"/>
                 <a:ea typeface="微软雅黑" panose="020B0503020204020204" pitchFamily="34" charset="-122"/>
               </a:rPr>
-              <a:t>外键不一定是 被参照关系 的主键，只要是唯一键就可以</a:t>
+              <a:t>在参照关系中：外键不一定是主键，不需要外键唯一标识每个元组</a:t>
+            </a:r>
+            <a:endParaRPr lang="en-US" altLang="zh-CN" sz="2400" dirty="0">
+              <a:latin typeface="微软雅黑" panose="020B0503020204020204" pitchFamily="34" charset="-122"/>
+              <a:ea typeface="微软雅黑" panose="020B0503020204020204" pitchFamily="34" charset="-122"/>
+            </a:endParaRPr>
+          </a:p>
+          <a:p>
+            <a:r>
+              <a:rPr lang="zh-CN" altLang="en-US" sz="2400" dirty="0">
+                <a:latin typeface="微软雅黑" panose="020B0503020204020204" pitchFamily="34" charset="-122"/>
+                <a:ea typeface="微软雅黑" panose="020B0503020204020204" pitchFamily="34" charset="-122"/>
+              </a:rPr>
+              <a:t>在被参照关系中：外键所参照的不一定是 被参照关系 的主键，只要是唯一键就可以</a:t>
             </a:r>
           </a:p>
         </p:txBody>
@@ -5710,7 +5723,7 @@
                 <a:latin typeface="微软雅黑" panose="020B0503020204020204" pitchFamily="34" charset="-122"/>
                 <a:ea typeface="微软雅黑" panose="020B0503020204020204" pitchFamily="34" charset="-122"/>
               </a:rPr>
-              <a:t>组合不同的关系操作来表示复杂的查询</a:t>
+              <a:t>在实际应用中，往往需要组合不同的关系操作来表示复杂的查询</a:t>
             </a:r>
           </a:p>
         </p:txBody>
